--- a/Presentation/lesson-06.pptx
+++ b/Presentation/lesson-06.pptx
@@ -5,7 +5,7 @@
     <p:sldMasterId id="2147483648" r:id="rId1"/>
   </p:sldMasterIdLst>
   <p:notesMasterIdLst>
-    <p:notesMasterId r:id="rId21"/>
+    <p:notesMasterId r:id="rId22"/>
   </p:notesMasterIdLst>
   <p:sldIdLst>
     <p:sldId id="257" r:id="rId2"/>
@@ -27,6 +27,7 @@
     <p:sldId id="272" r:id="rId18"/>
     <p:sldId id="274" r:id="rId19"/>
     <p:sldId id="273" r:id="rId20"/>
+    <p:sldId id="276" r:id="rId21"/>
   </p:sldIdLst>
   <p:sldSz cx="9144000" cy="6858000" type="screen4x3"/>
   <p:notesSz cx="6858000" cy="9144000"/>
@@ -5724,6 +5725,178 @@
 </p:sld>
 </file>
 
+<file path=ppt/slides/slide20.xml><?xml version="1.0" encoding="utf-8"?>
+<p:sld xmlns:a="http://schemas.openxmlformats.org/drawingml/2006/main" xmlns:r="http://schemas.openxmlformats.org/officeDocument/2006/relationships" xmlns:p="http://schemas.openxmlformats.org/presentationml/2006/main">
+  <p:cSld>
+    <p:spTree>
+      <p:nvGrpSpPr>
+        <p:cNvPr id="1" name=""/>
+        <p:cNvGrpSpPr/>
+        <p:nvPr/>
+      </p:nvGrpSpPr>
+      <p:grpSpPr>
+        <a:xfrm>
+          <a:off x="0" y="0"/>
+          <a:ext cx="0" cy="0"/>
+          <a:chOff x="0" y="0"/>
+          <a:chExt cx="0" cy="0"/>
+        </a:xfrm>
+      </p:grpSpPr>
+      <p:sp>
+        <p:nvSpPr>
+          <p:cNvPr id="2" name="Title 1"/>
+          <p:cNvSpPr>
+            <a:spLocks noGrp="1"/>
+          </p:cNvSpPr>
+          <p:nvPr>
+            <p:ph type="title"/>
+          </p:nvPr>
+        </p:nvSpPr>
+        <p:spPr/>
+        <p:txBody>
+          <a:bodyPr/>
+          <a:lstStyle/>
+          <a:p>
+            <a:r>
+              <a:rPr lang="en-US" dirty="0" smtClean="0"/>
+              <a:t>DOM &amp; SAX</a:t>
+            </a:r>
+            <a:endParaRPr lang="ru-RU" dirty="0"/>
+          </a:p>
+        </p:txBody>
+      </p:sp>
+      <p:sp>
+        <p:nvSpPr>
+          <p:cNvPr id="3" name="Content Placeholder 2"/>
+          <p:cNvSpPr>
+            <a:spLocks noGrp="1"/>
+          </p:cNvSpPr>
+          <p:nvPr>
+            <p:ph idx="1"/>
+          </p:nvPr>
+        </p:nvSpPr>
+        <p:spPr/>
+        <p:txBody>
+          <a:bodyPr/>
+          <a:lstStyle/>
+          <a:p>
+            <a:r>
+              <a:rPr lang="en-US" dirty="0" smtClean="0"/>
+              <a:t>DOM – </a:t>
+            </a:r>
+            <a:r>
+              <a:rPr lang="en-US" dirty="0" smtClean="0">
+                <a:solidFill>
+                  <a:srgbClr val="FF0000"/>
+                </a:solidFill>
+              </a:rPr>
+              <a:t>D</a:t>
+            </a:r>
+            <a:r>
+              <a:rPr lang="en-US" dirty="0" smtClean="0"/>
+              <a:t>ocument </a:t>
+            </a:r>
+            <a:r>
+              <a:rPr lang="en-US" dirty="0" smtClean="0">
+                <a:solidFill>
+                  <a:srgbClr val="FF0000"/>
+                </a:solidFill>
+              </a:rPr>
+              <a:t>O</a:t>
+            </a:r>
+            <a:r>
+              <a:rPr lang="en-US" dirty="0" smtClean="0"/>
+              <a:t>bject </a:t>
+            </a:r>
+            <a:r>
+              <a:rPr lang="en-US" dirty="0" smtClean="0">
+                <a:solidFill>
+                  <a:srgbClr val="FF0000"/>
+                </a:solidFill>
+              </a:rPr>
+              <a:t>M</a:t>
+            </a:r>
+            <a:r>
+              <a:rPr lang="en-US" dirty="0" smtClean="0"/>
+              <a:t>odel</a:t>
+            </a:r>
+          </a:p>
+          <a:p>
+            <a:pPr lvl="1"/>
+            <a:r>
+              <a:rPr lang="en-US" dirty="0" err="1" smtClean="0"/>
+              <a:t>XmlDocument</a:t>
+            </a:r>
+            <a:r>
+              <a:rPr lang="en-US" dirty="0" smtClean="0"/>
+              <a:t> class</a:t>
+            </a:r>
+          </a:p>
+          <a:p>
+            <a:r>
+              <a:rPr lang="en-US" dirty="0" smtClean="0"/>
+              <a:t>SAX – </a:t>
+            </a:r>
+            <a:r>
+              <a:rPr lang="en-US" dirty="0" smtClean="0">
+                <a:solidFill>
+                  <a:srgbClr val="FF0000"/>
+                </a:solidFill>
+              </a:rPr>
+              <a:t>S</a:t>
+            </a:r>
+            <a:r>
+              <a:rPr lang="en-US" dirty="0" smtClean="0"/>
+              <a:t>imple </a:t>
+            </a:r>
+            <a:r>
+              <a:rPr lang="en-US" dirty="0" smtClean="0">
+                <a:solidFill>
+                  <a:srgbClr val="FF0000"/>
+                </a:solidFill>
+              </a:rPr>
+              <a:t>A</a:t>
+            </a:r>
+            <a:r>
+              <a:rPr lang="en-US" dirty="0" smtClean="0"/>
+              <a:t>PI for </a:t>
+            </a:r>
+            <a:r>
+              <a:rPr lang="en-US" dirty="0" smtClean="0">
+                <a:solidFill>
+                  <a:srgbClr val="FF0000"/>
+                </a:solidFill>
+              </a:rPr>
+              <a:t>X</a:t>
+            </a:r>
+            <a:r>
+              <a:rPr lang="en-US" dirty="0" smtClean="0"/>
+              <a:t>ML</a:t>
+            </a:r>
+          </a:p>
+          <a:p>
+            <a:pPr lvl="1"/>
+            <a:r>
+              <a:rPr lang="en-US" dirty="0" err="1" smtClean="0"/>
+              <a:t>XmlReader</a:t>
+            </a:r>
+            <a:endParaRPr lang="ru-RU" dirty="0"/>
+          </a:p>
+        </p:txBody>
+      </p:sp>
+    </p:spTree>
+    <p:extLst>
+      <p:ext uri="{BB962C8B-B14F-4D97-AF65-F5344CB8AC3E}">
+        <p14:creationId xmlns:p14="http://schemas.microsoft.com/office/powerpoint/2010/main" val="786506698"/>
+      </p:ext>
+    </p:extLst>
+  </p:cSld>
+  <p:clrMapOvr>
+    <a:masterClrMapping/>
+  </p:clrMapOvr>
+</p:sld>
+</file>
+
 <file path=ppt/slides/slide3.xml><?xml version="1.0" encoding="utf-8"?>
 <p:sld xmlns:a="http://schemas.openxmlformats.org/drawingml/2006/main" xmlns:r="http://schemas.openxmlformats.org/officeDocument/2006/relationships" xmlns:p="http://schemas.openxmlformats.org/presentationml/2006/main">
   <p:cSld>
@@ -5875,7 +6048,6 @@
               <a:rPr lang="en-US" dirty="0"/>
               <a:t>anguage</a:t>
             </a:r>
-            <a:endParaRPr lang="en-US" dirty="0"/>
           </a:p>
         </p:txBody>
       </p:sp>

--- a/Presentation/lesson-06.pptx
+++ b/Presentation/lesson-06.pptx
@@ -5,7 +5,7 @@
     <p:sldMasterId id="2147483648" r:id="rId1"/>
   </p:sldMasterIdLst>
   <p:notesMasterIdLst>
-    <p:notesMasterId r:id="rId22"/>
+    <p:notesMasterId r:id="rId21"/>
   </p:notesMasterIdLst>
   <p:sldIdLst>
     <p:sldId id="257" r:id="rId2"/>
@@ -24,10 +24,9 @@
     <p:sldId id="270" r:id="rId15"/>
     <p:sldId id="260" r:id="rId16"/>
     <p:sldId id="271" r:id="rId17"/>
-    <p:sldId id="272" r:id="rId18"/>
+    <p:sldId id="273" r:id="rId18"/>
     <p:sldId id="274" r:id="rId19"/>
-    <p:sldId id="273" r:id="rId20"/>
-    <p:sldId id="276" r:id="rId21"/>
+    <p:sldId id="276" r:id="rId20"/>
   </p:sldIdLst>
   <p:sldSz cx="9144000" cy="6858000" type="screen4x3"/>
   <p:notesSz cx="6858000" cy="9144000"/>
@@ -211,7 +210,7 @@
           <a:p>
             <a:fld id="{B24A7054-7FFB-49F4-A126-5DF6E687FF53}" type="datetimeFigureOut">
               <a:rPr lang="ru-RU" smtClean="0"/>
-              <a:t>21.08.2012</a:t>
+              <a:t>22.08.2012</a:t>
             </a:fld>
             <a:endParaRPr lang="ru-RU"/>
           </a:p>
@@ -1274,7 +1273,7 @@
           <a:p>
             <a:fld id="{8E6E6A2A-E9D3-4A0D-B04A-ABDD367A1E08}" type="datetimeFigureOut">
               <a:rPr lang="ru-RU" smtClean="0"/>
-              <a:t>21.08.2012</a:t>
+              <a:t>22.08.2012</a:t>
             </a:fld>
             <a:endParaRPr lang="ru-RU"/>
           </a:p>
@@ -2722,7 +2721,7 @@
           <a:p>
             <a:fld id="{AC3D3127-B7C4-45E3-9797-C527EC9FDD78}" type="datetimeFigureOut">
               <a:rPr lang="ru-RU" smtClean="0"/>
-              <a:t>21.08.2012</a:t>
+              <a:t>22.08.2012</a:t>
             </a:fld>
             <a:endParaRPr lang="ru-RU"/>
           </a:p>
@@ -5284,8 +5283,8 @@
           <a:lstStyle/>
           <a:p>
             <a:r>
-              <a:rPr lang="en-US" dirty="0" smtClean="0"/>
-              <a:t>DTD</a:t>
+              <a:rPr lang="ru-RU" dirty="0" smtClean="0"/>
+              <a:t>Способы</a:t>
             </a:r>
             <a:endParaRPr lang="en-US" dirty="0"/>
           </a:p>
@@ -5306,7 +5305,94 @@
           <a:bodyPr/>
           <a:lstStyle/>
           <a:p>
-            <a:endParaRPr lang="en-US"/>
+            <a:r>
+              <a:rPr lang="en-US" dirty="0"/>
+              <a:t>DTD – </a:t>
+            </a:r>
+            <a:r>
+              <a:rPr lang="en-US" dirty="0">
+                <a:solidFill>
+                  <a:srgbClr val="FF0000"/>
+                </a:solidFill>
+              </a:rPr>
+              <a:t>D</a:t>
+            </a:r>
+            <a:r>
+              <a:rPr lang="en-US" dirty="0"/>
+              <a:t>ocument </a:t>
+            </a:r>
+            <a:r>
+              <a:rPr lang="en-US" dirty="0">
+                <a:solidFill>
+                  <a:srgbClr val="FF0000"/>
+                </a:solidFill>
+              </a:rPr>
+              <a:t>T</a:t>
+            </a:r>
+            <a:r>
+              <a:rPr lang="en-US" dirty="0"/>
+              <a:t>ype </a:t>
+            </a:r>
+            <a:r>
+              <a:rPr lang="en-US" dirty="0" smtClean="0">
+                <a:solidFill>
+                  <a:srgbClr val="FF0000"/>
+                </a:solidFill>
+              </a:rPr>
+              <a:t>D</a:t>
+            </a:r>
+            <a:r>
+              <a:rPr lang="en-US" dirty="0" smtClean="0"/>
+              <a:t>efinition</a:t>
+            </a:r>
+            <a:endParaRPr lang="ru-RU" dirty="0" smtClean="0"/>
+          </a:p>
+          <a:p>
+            <a:r>
+              <a:rPr lang="en-US" dirty="0"/>
+              <a:t>XML </a:t>
+            </a:r>
+            <a:r>
+              <a:rPr lang="en-US" dirty="0" smtClean="0"/>
+              <a:t>Schema</a:t>
+            </a:r>
+            <a:r>
+              <a:rPr lang="ru-RU" dirty="0" smtClean="0"/>
+              <a:t> (</a:t>
+            </a:r>
+            <a:r>
+              <a:rPr lang="en-US" dirty="0" smtClean="0"/>
+              <a:t>XSD)</a:t>
+            </a:r>
+          </a:p>
+          <a:p>
+            <a:pPr lvl="1"/>
+            <a:r>
+              <a:rPr lang="en-US" dirty="0">
+                <a:hlinkClick r:id="rId2"/>
+              </a:rPr>
+              <a:t>W3C XML Schema Definition Language (XSD) 1.1 Part 1: Structures</a:t>
+            </a:r>
+            <a:endParaRPr lang="en-US" dirty="0"/>
+          </a:p>
+          <a:p>
+            <a:pPr lvl="1"/>
+            <a:r>
+              <a:rPr lang="en-US" dirty="0">
+                <a:hlinkClick r:id="rId3"/>
+              </a:rPr>
+              <a:t>W3C XML Schema Definition Language (XSD) 1.1 Part 2: </a:t>
+            </a:r>
+            <a:r>
+              <a:rPr lang="en-US" dirty="0" err="1">
+                <a:hlinkClick r:id="rId3"/>
+              </a:rPr>
+              <a:t>Datatypes</a:t>
+            </a:r>
+            <a:endParaRPr lang="en-US" dirty="0"/>
+          </a:p>
+          <a:p>
+            <a:endParaRPr lang="en-US" dirty="0" smtClean="0"/>
           </a:p>
         </p:txBody>
       </p:sp>
@@ -5320,6 +5406,14 @@
   <p:clrMapOvr>
     <a:masterClrMapping/>
   </p:clrMapOvr>
+  <mc:AlternateContent xmlns:mc="http://schemas.openxmlformats.org/markup-compatibility/2006">
+    <mc:Choice xmlns:p14="http://schemas.microsoft.com/office/powerpoint/2010/main" Requires="p14">
+      <p:transition spd="slow" p14:dur="2000"/>
+    </mc:Choice>
+    <mc:Fallback>
+      <p:transition spd="slow"/>
+    </mc:Fallback>
+  </mc:AlternateContent>
 </p:sld>
 </file>
 
@@ -5352,12 +5446,69 @@
         </p:nvSpPr>
         <p:spPr/>
         <p:txBody>
-          <a:bodyPr/>
+          <a:bodyPr>
+            <a:normAutofit fontScale="90000"/>
+          </a:bodyPr>
           <a:lstStyle/>
           <a:p>
             <a:r>
               <a:rPr lang="en-US" dirty="0" smtClean="0"/>
-              <a:t>XML Schema</a:t>
+              <a:t>XSLT - E</a:t>
+            </a:r>
+            <a:r>
+              <a:rPr lang="en-US" dirty="0" smtClean="0">
+                <a:solidFill>
+                  <a:srgbClr val="FF0000"/>
+                </a:solidFill>
+              </a:rPr>
+              <a:t>x</a:t>
+            </a:r>
+            <a:r>
+              <a:rPr lang="en-US" dirty="0" smtClean="0"/>
+              <a:t>tensible </a:t>
+            </a:r>
+            <a:r>
+              <a:rPr lang="en-US" dirty="0" err="1">
+                <a:solidFill>
+                  <a:srgbClr val="FF0000"/>
+                </a:solidFill>
+              </a:rPr>
+              <a:t>S</a:t>
+            </a:r>
+            <a:r>
+              <a:rPr lang="en-US" dirty="0" err="1"/>
+              <a:t>tylesheet</a:t>
+            </a:r>
+            <a:r>
+              <a:rPr lang="en-US" dirty="0"/>
+              <a:t> </a:t>
+            </a:r>
+            <a:r>
+              <a:rPr lang="en-US" dirty="0">
+                <a:solidFill>
+                  <a:srgbClr val="FF0000"/>
+                </a:solidFill>
+              </a:rPr>
+              <a:t>L</a:t>
+            </a:r>
+            <a:r>
+              <a:rPr lang="en-US" dirty="0"/>
+              <a:t>anguage</a:t>
+            </a:r>
+            <a:br>
+              <a:rPr lang="en-US" dirty="0"/>
+            </a:br>
+            <a:r>
+              <a:rPr lang="en-US" dirty="0">
+                <a:solidFill>
+                  <a:srgbClr val="FF0000"/>
+                </a:solidFill>
+              </a:rPr>
+              <a:t>T</a:t>
+            </a:r>
+            <a:r>
+              <a:rPr lang="en-US" dirty="0"/>
+              <a:t>ransformations</a:t>
             </a:r>
             <a:endParaRPr lang="en-US" dirty="0"/>
           </a:p>
@@ -5379,32 +5530,33 @@
           <a:lstStyle/>
           <a:p>
             <a:r>
-              <a:rPr lang="en-US" dirty="0">
-                <a:hlinkClick r:id="rId2"/>
-              </a:rPr>
-              <a:t>W3C XML Schema Definition Language (XSD) 1.1 Part 1: </a:t>
-            </a:r>
-            <a:r>
-              <a:rPr lang="en-US" dirty="0" smtClean="0">
-                <a:hlinkClick r:id="rId2"/>
-              </a:rPr>
-              <a:t>Structures</a:t>
-            </a:r>
-            <a:endParaRPr lang="en-US" dirty="0" smtClean="0"/>
-          </a:p>
-          <a:p>
-            <a:r>
-              <a:rPr lang="en-US" dirty="0">
-                <a:hlinkClick r:id="rId3"/>
-              </a:rPr>
-              <a:t>W3C XML Schema Definition Language (XSD) 1.1 Part 2: </a:t>
-            </a:r>
-            <a:r>
-              <a:rPr lang="en-US" dirty="0" err="1">
-                <a:hlinkClick r:id="rId3"/>
-              </a:rPr>
-              <a:t>Datatypes</a:t>
-            </a:r>
+              <a:rPr lang="ru-RU" dirty="0" smtClean="0"/>
+              <a:t>Позволяет производить трансформации одного документа в другой</a:t>
+            </a:r>
+            <a:r>
+              <a:rPr lang="en-US" dirty="0" smtClean="0"/>
+              <a:t>, </a:t>
+            </a:r>
+            <a:r>
+              <a:rPr lang="ru-RU" dirty="0"/>
+              <a:t>а </a:t>
+            </a:r>
+            <a:r>
+              <a:rPr lang="ru-RU" dirty="0" smtClean="0"/>
+              <a:t>также в другие форматы.</a:t>
+            </a:r>
+          </a:p>
+          <a:p>
+            <a:r>
+              <a:rPr lang="ru-RU" dirty="0" smtClean="0"/>
+              <a:t>Основан на </a:t>
+            </a:r>
+            <a:r>
+              <a:rPr lang="en-US" dirty="0" smtClean="0"/>
+              <a:t>XML</a:t>
+            </a:r>
+          </a:p>
+          <a:p>
             <a:endParaRPr lang="en-US" dirty="0"/>
           </a:p>
         </p:txBody>
@@ -5412,7 +5564,7 @@
     </p:spTree>
     <p:extLst>
       <p:ext uri="{BB962C8B-B14F-4D97-AF65-F5344CB8AC3E}">
-        <p14:creationId xmlns:p14="http://schemas.microsoft.com/office/powerpoint/2010/main" val="2075942463"/>
+        <p14:creationId xmlns:p14="http://schemas.microsoft.com/office/powerpoint/2010/main" val="103880850"/>
       </p:ext>
     </p:extLst>
   </p:cSld>
@@ -5567,9 +5719,9 @@
           <a:p>
             <a:r>
               <a:rPr lang="en-US" dirty="0" smtClean="0"/>
-              <a:t>XSLT</a:t>
-            </a:r>
-            <a:endParaRPr lang="en-US" dirty="0"/>
+              <a:t>DOM &amp; SAX</a:t>
+            </a:r>
+            <a:endParaRPr lang="ru-RU" dirty="0"/>
           </a:p>
         </p:txBody>
       </p:sp>
@@ -5588,14 +5740,114 @@
           <a:bodyPr/>
           <a:lstStyle/>
           <a:p>
-            <a:endParaRPr lang="en-US"/>
+            <a:r>
+              <a:rPr lang="en-US" dirty="0" smtClean="0"/>
+              <a:t>DOM – </a:t>
+            </a:r>
+            <a:r>
+              <a:rPr lang="en-US" dirty="0" smtClean="0">
+                <a:solidFill>
+                  <a:srgbClr val="FF0000"/>
+                </a:solidFill>
+              </a:rPr>
+              <a:t>D</a:t>
+            </a:r>
+            <a:r>
+              <a:rPr lang="en-US" dirty="0" smtClean="0"/>
+              <a:t>ocument </a:t>
+            </a:r>
+            <a:r>
+              <a:rPr lang="en-US" dirty="0" smtClean="0">
+                <a:solidFill>
+                  <a:srgbClr val="FF0000"/>
+                </a:solidFill>
+              </a:rPr>
+              <a:t>O</a:t>
+            </a:r>
+            <a:r>
+              <a:rPr lang="en-US" dirty="0" smtClean="0"/>
+              <a:t>bject </a:t>
+            </a:r>
+            <a:r>
+              <a:rPr lang="en-US" dirty="0" smtClean="0">
+                <a:solidFill>
+                  <a:srgbClr val="FF0000"/>
+                </a:solidFill>
+              </a:rPr>
+              <a:t>M</a:t>
+            </a:r>
+            <a:r>
+              <a:rPr lang="en-US" dirty="0" smtClean="0"/>
+              <a:t>odel</a:t>
+            </a:r>
+          </a:p>
+          <a:p>
+            <a:pPr lvl="1"/>
+            <a:r>
+              <a:rPr lang="en-US" dirty="0" err="1" smtClean="0"/>
+              <a:t>XmlDocument</a:t>
+            </a:r>
+            <a:r>
+              <a:rPr lang="en-US" dirty="0" smtClean="0"/>
+              <a:t> class</a:t>
+            </a:r>
+          </a:p>
+          <a:p>
+            <a:r>
+              <a:rPr lang="en-US" dirty="0" smtClean="0"/>
+              <a:t>SAX – </a:t>
+            </a:r>
+            <a:r>
+              <a:rPr lang="en-US" dirty="0" smtClean="0">
+                <a:solidFill>
+                  <a:srgbClr val="FF0000"/>
+                </a:solidFill>
+              </a:rPr>
+              <a:t>S</a:t>
+            </a:r>
+            <a:r>
+              <a:rPr lang="en-US" dirty="0" smtClean="0"/>
+              <a:t>imple </a:t>
+            </a:r>
+            <a:r>
+              <a:rPr lang="en-US" dirty="0" smtClean="0">
+                <a:solidFill>
+                  <a:srgbClr val="FF0000"/>
+                </a:solidFill>
+              </a:rPr>
+              <a:t>A</a:t>
+            </a:r>
+            <a:r>
+              <a:rPr lang="en-US" dirty="0" smtClean="0"/>
+              <a:t>PI for </a:t>
+            </a:r>
+            <a:r>
+              <a:rPr lang="en-US" dirty="0" smtClean="0">
+                <a:solidFill>
+                  <a:srgbClr val="FF0000"/>
+                </a:solidFill>
+              </a:rPr>
+              <a:t>X</a:t>
+            </a:r>
+            <a:r>
+              <a:rPr lang="en-US" dirty="0" smtClean="0"/>
+              <a:t>ML</a:t>
+            </a:r>
+          </a:p>
+          <a:p>
+            <a:pPr lvl="1"/>
+            <a:r>
+              <a:rPr lang="en-US" dirty="0" err="1" smtClean="0"/>
+              <a:t>XmlReader</a:t>
+            </a:r>
+            <a:endParaRPr lang="ru-RU" dirty="0"/>
           </a:p>
         </p:txBody>
       </p:sp>
     </p:spTree>
     <p:extLst>
       <p:ext uri="{BB962C8B-B14F-4D97-AF65-F5344CB8AC3E}">
-        <p14:creationId xmlns:p14="http://schemas.microsoft.com/office/powerpoint/2010/main" val="103880850"/>
+        <p14:creationId xmlns:p14="http://schemas.microsoft.com/office/powerpoint/2010/main" val="786506698"/>
       </p:ext>
     </p:extLst>
   </p:cSld>
@@ -5716,178 +5968,6 @@
     <p:extLst>
       <p:ext uri="{BB962C8B-B14F-4D97-AF65-F5344CB8AC3E}">
         <p14:creationId xmlns:p14="http://schemas.microsoft.com/office/powerpoint/2010/main" val="1810951574"/>
-      </p:ext>
-    </p:extLst>
-  </p:cSld>
-  <p:clrMapOvr>
-    <a:masterClrMapping/>
-  </p:clrMapOvr>
-</p:sld>
-</file>
-
-<file path=ppt/slides/slide20.xml><?xml version="1.0" encoding="utf-8"?>
-<p:sld xmlns:a="http://schemas.openxmlformats.org/drawingml/2006/main" xmlns:r="http://schemas.openxmlformats.org/officeDocument/2006/relationships" xmlns:p="http://schemas.openxmlformats.org/presentationml/2006/main">
-  <p:cSld>
-    <p:spTree>
-      <p:nvGrpSpPr>
-        <p:cNvPr id="1" name=""/>
-        <p:cNvGrpSpPr/>
-        <p:nvPr/>
-      </p:nvGrpSpPr>
-      <p:grpSpPr>
-        <a:xfrm>
-          <a:off x="0" y="0"/>
-          <a:ext cx="0" cy="0"/>
-          <a:chOff x="0" y="0"/>
-          <a:chExt cx="0" cy="0"/>
-        </a:xfrm>
-      </p:grpSpPr>
-      <p:sp>
-        <p:nvSpPr>
-          <p:cNvPr id="2" name="Title 1"/>
-          <p:cNvSpPr>
-            <a:spLocks noGrp="1"/>
-          </p:cNvSpPr>
-          <p:nvPr>
-            <p:ph type="title"/>
-          </p:nvPr>
-        </p:nvSpPr>
-        <p:spPr/>
-        <p:txBody>
-          <a:bodyPr/>
-          <a:lstStyle/>
-          <a:p>
-            <a:r>
-              <a:rPr lang="en-US" dirty="0" smtClean="0"/>
-              <a:t>DOM &amp; SAX</a:t>
-            </a:r>
-            <a:endParaRPr lang="ru-RU" dirty="0"/>
-          </a:p>
-        </p:txBody>
-      </p:sp>
-      <p:sp>
-        <p:nvSpPr>
-          <p:cNvPr id="3" name="Content Placeholder 2"/>
-          <p:cNvSpPr>
-            <a:spLocks noGrp="1"/>
-          </p:cNvSpPr>
-          <p:nvPr>
-            <p:ph idx="1"/>
-          </p:nvPr>
-        </p:nvSpPr>
-        <p:spPr/>
-        <p:txBody>
-          <a:bodyPr/>
-          <a:lstStyle/>
-          <a:p>
-            <a:r>
-              <a:rPr lang="en-US" dirty="0" smtClean="0"/>
-              <a:t>DOM – </a:t>
-            </a:r>
-            <a:r>
-              <a:rPr lang="en-US" dirty="0" smtClean="0">
-                <a:solidFill>
-                  <a:srgbClr val="FF0000"/>
-                </a:solidFill>
-              </a:rPr>
-              <a:t>D</a:t>
-            </a:r>
-            <a:r>
-              <a:rPr lang="en-US" dirty="0" smtClean="0"/>
-              <a:t>ocument </a:t>
-            </a:r>
-            <a:r>
-              <a:rPr lang="en-US" dirty="0" smtClean="0">
-                <a:solidFill>
-                  <a:srgbClr val="FF0000"/>
-                </a:solidFill>
-              </a:rPr>
-              <a:t>O</a:t>
-            </a:r>
-            <a:r>
-              <a:rPr lang="en-US" dirty="0" smtClean="0"/>
-              <a:t>bject </a:t>
-            </a:r>
-            <a:r>
-              <a:rPr lang="en-US" dirty="0" smtClean="0">
-                <a:solidFill>
-                  <a:srgbClr val="FF0000"/>
-                </a:solidFill>
-              </a:rPr>
-              <a:t>M</a:t>
-            </a:r>
-            <a:r>
-              <a:rPr lang="en-US" dirty="0" smtClean="0"/>
-              <a:t>odel</a:t>
-            </a:r>
-          </a:p>
-          <a:p>
-            <a:pPr lvl="1"/>
-            <a:r>
-              <a:rPr lang="en-US" dirty="0" err="1" smtClean="0"/>
-              <a:t>XmlDocument</a:t>
-            </a:r>
-            <a:r>
-              <a:rPr lang="en-US" dirty="0" smtClean="0"/>
-              <a:t> class</a:t>
-            </a:r>
-          </a:p>
-          <a:p>
-            <a:r>
-              <a:rPr lang="en-US" dirty="0" smtClean="0"/>
-              <a:t>SAX – </a:t>
-            </a:r>
-            <a:r>
-              <a:rPr lang="en-US" dirty="0" smtClean="0">
-                <a:solidFill>
-                  <a:srgbClr val="FF0000"/>
-                </a:solidFill>
-              </a:rPr>
-              <a:t>S</a:t>
-            </a:r>
-            <a:r>
-              <a:rPr lang="en-US" dirty="0" smtClean="0"/>
-              <a:t>imple </a:t>
-            </a:r>
-            <a:r>
-              <a:rPr lang="en-US" dirty="0" smtClean="0">
-                <a:solidFill>
-                  <a:srgbClr val="FF0000"/>
-                </a:solidFill>
-              </a:rPr>
-              <a:t>A</a:t>
-            </a:r>
-            <a:r>
-              <a:rPr lang="en-US" dirty="0" smtClean="0"/>
-              <a:t>PI for </a:t>
-            </a:r>
-            <a:r>
-              <a:rPr lang="en-US" dirty="0" smtClean="0">
-                <a:solidFill>
-                  <a:srgbClr val="FF0000"/>
-                </a:solidFill>
-              </a:rPr>
-              <a:t>X</a:t>
-            </a:r>
-            <a:r>
-              <a:rPr lang="en-US" dirty="0" smtClean="0"/>
-              <a:t>ML</a:t>
-            </a:r>
-          </a:p>
-          <a:p>
-            <a:pPr lvl="1"/>
-            <a:r>
-              <a:rPr lang="en-US" dirty="0" err="1" smtClean="0"/>
-              <a:t>XmlReader</a:t>
-            </a:r>
-            <a:endParaRPr lang="ru-RU" dirty="0"/>
-          </a:p>
-        </p:txBody>
-      </p:sp>
-    </p:spTree>
-    <p:extLst>
-      <p:ext uri="{BB962C8B-B14F-4D97-AF65-F5344CB8AC3E}">
-        <p14:creationId xmlns:p14="http://schemas.microsoft.com/office/powerpoint/2010/main" val="786506698"/>
       </p:ext>
     </p:extLst>
   </p:cSld>

--- a/Presentation/lesson-06.pptx
+++ b/Presentation/lesson-06.pptx
@@ -5,7 +5,7 @@
     <p:sldMasterId id="2147483648" r:id="rId1"/>
   </p:sldMasterIdLst>
   <p:notesMasterIdLst>
-    <p:notesMasterId r:id="rId21"/>
+    <p:notesMasterId r:id="rId24"/>
   </p:notesMasterIdLst>
   <p:sldIdLst>
     <p:sldId id="257" r:id="rId2"/>
@@ -27,6 +27,9 @@
     <p:sldId id="273" r:id="rId18"/>
     <p:sldId id="274" r:id="rId19"/>
     <p:sldId id="276" r:id="rId20"/>
+    <p:sldId id="278" r:id="rId21"/>
+    <p:sldId id="277" r:id="rId22"/>
+    <p:sldId id="279" r:id="rId23"/>
   </p:sldIdLst>
   <p:sldSz cx="9144000" cy="6858000" type="screen4x3"/>
   <p:notesSz cx="6858000" cy="9144000"/>
@@ -210,7 +213,7 @@
           <a:p>
             <a:fld id="{B24A7054-7FFB-49F4-A126-5DF6E687FF53}" type="datetimeFigureOut">
               <a:rPr lang="ru-RU" smtClean="0"/>
-              <a:t>22.08.2012</a:t>
+              <a:t>23.08.2012</a:t>
             </a:fld>
             <a:endParaRPr lang="ru-RU"/>
           </a:p>
@@ -1273,7 +1276,7 @@
           <a:p>
             <a:fld id="{8E6E6A2A-E9D3-4A0D-B04A-ABDD367A1E08}" type="datetimeFigureOut">
               <a:rPr lang="ru-RU" smtClean="0"/>
-              <a:t>22.08.2012</a:t>
+              <a:t>23.08.2012</a:t>
             </a:fld>
             <a:endParaRPr lang="ru-RU"/>
           </a:p>
@@ -2721,7 +2724,7 @@
           <a:p>
             <a:fld id="{AC3D3127-B7C4-45E3-9797-C527EC9FDD78}" type="datetimeFigureOut">
               <a:rPr lang="ru-RU" smtClean="0"/>
-              <a:t>22.08.2012</a:t>
+              <a:t>23.08.2012</a:t>
             </a:fld>
             <a:endParaRPr lang="ru-RU"/>
           </a:p>
@@ -5406,11 +5409,11 @@
   <p:clrMapOvr>
     <a:masterClrMapping/>
   </p:clrMapOvr>
-  <mc:AlternateContent xmlns:mc="http://schemas.openxmlformats.org/markup-compatibility/2006">
-    <mc:Choice xmlns:p14="http://schemas.microsoft.com/office/powerpoint/2010/main" Requires="p14">
+  <mc:AlternateContent xmlns:mc="http://schemas.openxmlformats.org/markup-compatibility/2006" xmlns:p14="http://schemas.microsoft.com/office/powerpoint/2010/main">
+    <mc:Choice Requires="p14">
       <p:transition spd="slow" p14:dur="2000"/>
     </mc:Choice>
-    <mc:Fallback>
+    <mc:Fallback xmlns="">
       <p:transition spd="slow"/>
     </mc:Fallback>
   </mc:AlternateContent>
@@ -5510,7 +5513,6 @@
               <a:rPr lang="en-US" dirty="0"/>
               <a:t>ransformations</a:t>
             </a:r>
-            <a:endParaRPr lang="en-US" dirty="0"/>
           </a:p>
         </p:txBody>
       </p:sp>
@@ -5968,6 +5970,295 @@
     <p:extLst>
       <p:ext uri="{BB962C8B-B14F-4D97-AF65-F5344CB8AC3E}">
         <p14:creationId xmlns:p14="http://schemas.microsoft.com/office/powerpoint/2010/main" val="1810951574"/>
+      </p:ext>
+    </p:extLst>
+  </p:cSld>
+  <p:clrMapOvr>
+    <a:masterClrMapping/>
+  </p:clrMapOvr>
+</p:sld>
+</file>
+
+<file path=ppt/slides/slide20.xml><?xml version="1.0" encoding="utf-8"?>
+<p:sld xmlns:a="http://schemas.openxmlformats.org/drawingml/2006/main" xmlns:r="http://schemas.openxmlformats.org/officeDocument/2006/relationships" xmlns:p="http://schemas.openxmlformats.org/presentationml/2006/main">
+  <p:cSld>
+    <p:spTree>
+      <p:nvGrpSpPr>
+        <p:cNvPr id="1" name=""/>
+        <p:cNvGrpSpPr/>
+        <p:nvPr/>
+      </p:nvGrpSpPr>
+      <p:grpSpPr>
+        <a:xfrm>
+          <a:off x="0" y="0"/>
+          <a:ext cx="0" cy="0"/>
+          <a:chOff x="0" y="0"/>
+          <a:chExt cx="0" cy="0"/>
+        </a:xfrm>
+      </p:grpSpPr>
+      <p:sp>
+        <p:nvSpPr>
+          <p:cNvPr id="2" name="Title 1"/>
+          <p:cNvSpPr>
+            <a:spLocks noGrp="1"/>
+          </p:cNvSpPr>
+          <p:nvPr>
+            <p:ph type="title"/>
+          </p:nvPr>
+        </p:nvSpPr>
+        <p:spPr/>
+        <p:txBody>
+          <a:bodyPr/>
+          <a:lstStyle/>
+          <a:p>
+            <a:r>
+              <a:rPr lang="en-US" dirty="0" smtClean="0"/>
+              <a:t>XML </a:t>
+            </a:r>
+            <a:r>
+              <a:rPr lang="ru-RU" dirty="0" smtClean="0"/>
+              <a:t>комментарии</a:t>
+            </a:r>
+            <a:endParaRPr lang="ru-RU" dirty="0"/>
+          </a:p>
+        </p:txBody>
+      </p:sp>
+      <p:sp>
+        <p:nvSpPr>
+          <p:cNvPr id="3" name="Content Placeholder 2"/>
+          <p:cNvSpPr>
+            <a:spLocks noGrp="1"/>
+          </p:cNvSpPr>
+          <p:nvPr>
+            <p:ph idx="1"/>
+          </p:nvPr>
+        </p:nvSpPr>
+        <p:spPr/>
+        <p:txBody>
+          <a:bodyPr/>
+          <a:lstStyle/>
+          <a:p>
+            <a:r>
+              <a:rPr lang="ru-RU" dirty="0" smtClean="0"/>
+              <a:t>Начинаются с </a:t>
+            </a:r>
+            <a:r>
+              <a:rPr lang="en-US" dirty="0" smtClean="0"/>
+              <a:t>///</a:t>
+            </a:r>
+          </a:p>
+          <a:p>
+            <a:r>
+              <a:rPr lang="ru-RU" dirty="0" smtClean="0"/>
+              <a:t>Поддерживаемые элементы</a:t>
+            </a:r>
+          </a:p>
+          <a:p>
+            <a:pPr lvl="1"/>
+            <a:r>
+              <a:rPr lang="en-US" dirty="0"/>
+              <a:t>&lt;summary</a:t>
+            </a:r>
+            <a:r>
+              <a:rPr lang="en-US" dirty="0" smtClean="0"/>
+              <a:t>&gt;</a:t>
+            </a:r>
+            <a:endParaRPr lang="ru-RU" dirty="0" smtClean="0"/>
+          </a:p>
+          <a:p>
+            <a:pPr lvl="1"/>
+            <a:r>
+              <a:rPr lang="en-US" dirty="0"/>
+              <a:t>&lt;</a:t>
+            </a:r>
+            <a:r>
+              <a:rPr lang="en-US" dirty="0" err="1"/>
+              <a:t>param</a:t>
+            </a:r>
+            <a:r>
+              <a:rPr lang="en-US" dirty="0"/>
+              <a:t> name</a:t>
+            </a:r>
+            <a:r>
+              <a:rPr lang="en-US" dirty="0" smtClean="0"/>
+              <a:t>="</a:t>
+            </a:r>
+            <a:r>
+              <a:rPr lang="ru-RU" dirty="0" smtClean="0"/>
+              <a:t>ИмяПараметра</a:t>
+            </a:r>
+            <a:r>
+              <a:rPr lang="en-US" dirty="0" smtClean="0"/>
+              <a:t>"&gt;</a:t>
+            </a:r>
+            <a:endParaRPr lang="ru-RU" dirty="0" smtClean="0"/>
+          </a:p>
+          <a:p>
+            <a:pPr lvl="1"/>
+            <a:r>
+              <a:rPr lang="en-US" dirty="0"/>
+              <a:t>&lt;returns</a:t>
+            </a:r>
+            <a:r>
+              <a:rPr lang="en-US" dirty="0" smtClean="0"/>
+              <a:t>&gt;</a:t>
+            </a:r>
+            <a:endParaRPr lang="ru-RU" dirty="0" smtClean="0"/>
+          </a:p>
+          <a:p>
+            <a:pPr lvl="1"/>
+            <a:r>
+              <a:rPr lang="en-US" dirty="0"/>
+              <a:t>&lt;remarks&gt;</a:t>
+            </a:r>
+            <a:endParaRPr lang="ru-RU" dirty="0"/>
+          </a:p>
+        </p:txBody>
+      </p:sp>
+    </p:spTree>
+    <p:extLst>
+      <p:ext uri="{BB962C8B-B14F-4D97-AF65-F5344CB8AC3E}">
+        <p14:creationId xmlns:p14="http://schemas.microsoft.com/office/powerpoint/2010/main" val="2726345138"/>
+      </p:ext>
+    </p:extLst>
+  </p:cSld>
+  <p:clrMapOvr>
+    <a:masterClrMapping/>
+  </p:clrMapOvr>
+</p:sld>
+</file>
+
+<file path=ppt/slides/slide21.xml><?xml version="1.0" encoding="utf-8"?>
+<p:sld xmlns:a="http://schemas.openxmlformats.org/drawingml/2006/main" xmlns:r="http://schemas.openxmlformats.org/officeDocument/2006/relationships" xmlns:p="http://schemas.openxmlformats.org/presentationml/2006/main">
+  <p:cSld>
+    <p:spTree>
+      <p:nvGrpSpPr>
+        <p:cNvPr id="1" name=""/>
+        <p:cNvGrpSpPr/>
+        <p:nvPr/>
+      </p:nvGrpSpPr>
+      <p:grpSpPr>
+        <a:xfrm>
+          <a:off x="0" y="0"/>
+          <a:ext cx="0" cy="0"/>
+          <a:chOff x="0" y="0"/>
+          <a:chExt cx="0" cy="0"/>
+        </a:xfrm>
+      </p:grpSpPr>
+      <p:sp>
+        <p:nvSpPr>
+          <p:cNvPr id="2" name="Title 1"/>
+          <p:cNvSpPr>
+            <a:spLocks noGrp="1"/>
+          </p:cNvSpPr>
+          <p:nvPr>
+            <p:ph type="title"/>
+          </p:nvPr>
+        </p:nvSpPr>
+        <p:spPr>
+          <a:xfrm>
+            <a:off x="457200" y="2857500"/>
+            <a:ext cx="8229600" cy="1143000"/>
+          </a:xfrm>
+        </p:spPr>
+        <p:txBody>
+          <a:bodyPr>
+            <a:normAutofit/>
+          </a:bodyPr>
+          <a:lstStyle/>
+          <a:p>
+            <a:r>
+              <a:rPr lang="ru-RU" dirty="0" smtClean="0"/>
+              <a:t>Чтение </a:t>
+            </a:r>
+            <a:r>
+              <a:rPr lang="en-US" dirty="0" smtClean="0"/>
+              <a:t>XML. </a:t>
+            </a:r>
+            <a:r>
+              <a:rPr lang="ru-RU" dirty="0" smtClean="0"/>
+              <a:t>Демонстрация.</a:t>
+            </a:r>
+            <a:endParaRPr lang="ru-RU" dirty="0"/>
+          </a:p>
+        </p:txBody>
+      </p:sp>
+    </p:spTree>
+    <p:extLst>
+      <p:ext uri="{BB962C8B-B14F-4D97-AF65-F5344CB8AC3E}">
+        <p14:creationId xmlns:p14="http://schemas.microsoft.com/office/powerpoint/2010/main" val="607863742"/>
+      </p:ext>
+    </p:extLst>
+  </p:cSld>
+  <p:clrMapOvr>
+    <a:masterClrMapping/>
+  </p:clrMapOvr>
+</p:sld>
+</file>
+
+<file path=ppt/slides/slide22.xml><?xml version="1.0" encoding="utf-8"?>
+<p:sld xmlns:a="http://schemas.openxmlformats.org/drawingml/2006/main" xmlns:r="http://schemas.openxmlformats.org/officeDocument/2006/relationships" xmlns:p="http://schemas.openxmlformats.org/presentationml/2006/main">
+  <p:cSld>
+    <p:spTree>
+      <p:nvGrpSpPr>
+        <p:cNvPr id="1" name=""/>
+        <p:cNvGrpSpPr/>
+        <p:nvPr/>
+      </p:nvGrpSpPr>
+      <p:grpSpPr>
+        <a:xfrm>
+          <a:off x="0" y="0"/>
+          <a:ext cx="0" cy="0"/>
+          <a:chOff x="0" y="0"/>
+          <a:chExt cx="0" cy="0"/>
+        </a:xfrm>
+      </p:grpSpPr>
+      <p:sp>
+        <p:nvSpPr>
+          <p:cNvPr id="2" name="Title 1"/>
+          <p:cNvSpPr>
+            <a:spLocks noGrp="1"/>
+          </p:cNvSpPr>
+          <p:nvPr>
+            <p:ph type="title"/>
+          </p:nvPr>
+        </p:nvSpPr>
+        <p:spPr>
+          <a:xfrm>
+            <a:off x="457200" y="2857500"/>
+            <a:ext cx="8229600" cy="1143000"/>
+          </a:xfrm>
+        </p:spPr>
+        <p:txBody>
+          <a:bodyPr>
+            <a:normAutofit fontScale="90000"/>
+          </a:bodyPr>
+          <a:lstStyle/>
+          <a:p>
+            <a:r>
+              <a:rPr lang="en-US" dirty="0" smtClean="0"/>
+              <a:t>XML</a:t>
+            </a:r>
+            <a:r>
+              <a:rPr lang="ru-RU" dirty="0" smtClean="0"/>
+              <a:t> Сериализация</a:t>
+            </a:r>
+            <a:r>
+              <a:rPr lang="en-US" dirty="0" smtClean="0"/>
+              <a:t>. </a:t>
+            </a:r>
+            <a:r>
+              <a:rPr lang="ru-RU" dirty="0" smtClean="0"/>
+              <a:t>Демонстрация.</a:t>
+            </a:r>
+            <a:endParaRPr lang="ru-RU" dirty="0"/>
+          </a:p>
+        </p:txBody>
+      </p:sp>
+    </p:spTree>
+    <p:extLst>
+      <p:ext uri="{BB962C8B-B14F-4D97-AF65-F5344CB8AC3E}">
+        <p14:creationId xmlns:p14="http://schemas.microsoft.com/office/powerpoint/2010/main" val="195351073"/>
       </p:ext>
     </p:extLst>
   </p:cSld>

--- a/Presentation/lesson-06.pptx
+++ b/Presentation/lesson-06.pptx
@@ -5,7 +5,7 @@
     <p:sldMasterId id="2147483648" r:id="rId1"/>
   </p:sldMasterIdLst>
   <p:notesMasterIdLst>
-    <p:notesMasterId r:id="rId24"/>
+    <p:notesMasterId r:id="rId25"/>
   </p:notesMasterIdLst>
   <p:sldIdLst>
     <p:sldId id="257" r:id="rId2"/>
@@ -29,7 +29,8 @@
     <p:sldId id="276" r:id="rId20"/>
     <p:sldId id="278" r:id="rId21"/>
     <p:sldId id="277" r:id="rId22"/>
-    <p:sldId id="279" r:id="rId23"/>
+    <p:sldId id="280" r:id="rId23"/>
+    <p:sldId id="279" r:id="rId24"/>
   </p:sldIdLst>
   <p:sldSz cx="9144000" cy="6858000" type="screen4x3"/>
   <p:notesSz cx="6858000" cy="9144000"/>
@@ -213,7 +214,7 @@
           <a:p>
             <a:fld id="{B24A7054-7FFB-49F4-A126-5DF6E687FF53}" type="datetimeFigureOut">
               <a:rPr lang="ru-RU" smtClean="0"/>
-              <a:t>23.08.2012</a:t>
+              <a:t>26.08.2012</a:t>
             </a:fld>
             <a:endParaRPr lang="ru-RU"/>
           </a:p>
@@ -1276,7 +1277,7 @@
           <a:p>
             <a:fld id="{8E6E6A2A-E9D3-4A0D-B04A-ABDD367A1E08}" type="datetimeFigureOut">
               <a:rPr lang="ru-RU" smtClean="0"/>
-              <a:t>23.08.2012</a:t>
+              <a:t>26.08.2012</a:t>
             </a:fld>
             <a:endParaRPr lang="ru-RU"/>
           </a:p>
@@ -2724,7 +2725,7 @@
           <a:p>
             <a:fld id="{AC3D3127-B7C4-45E3-9797-C527EC9FDD78}" type="datetimeFigureOut">
               <a:rPr lang="ru-RU" smtClean="0"/>
-              <a:t>23.08.2012</a:t>
+              <a:t>26.08.2012</a:t>
             </a:fld>
             <a:endParaRPr lang="ru-RU"/>
           </a:p>
@@ -3219,8 +3220,8 @@
         </p:nvSpPr>
         <p:spPr>
           <a:xfrm>
-            <a:off x="2756760" y="2528900"/>
-            <a:ext cx="3630481" cy="461665"/>
+            <a:off x="143508" y="2528900"/>
+            <a:ext cx="8856984" cy="461665"/>
           </a:xfrm>
           <a:prstGeom prst="rect">
             <a:avLst/>
@@ -3228,11 +3229,12 @@
           <a:noFill/>
         </p:spPr>
         <p:txBody>
-          <a:bodyPr wrap="none" rtlCol="0">
+          <a:bodyPr wrap="square" rtlCol="0">
             <a:spAutoFit/>
           </a:bodyPr>
           <a:lstStyle/>
           <a:p>
+            <a:pPr algn="ctr"/>
             <a:r>
               <a:rPr lang="ru-RU" sz="2400" dirty="0">
                 <a:solidFill>
@@ -4628,6 +4630,13 @@
   <p:clrMapOvr>
     <a:masterClrMapping/>
   </p:clrMapOvr>
+  <p:timing>
+    <p:tnLst>
+      <p:par>
+        <p:cTn id="1" dur="indefinite" restart="never" nodeType="tmRoot"/>
+      </p:par>
+    </p:tnLst>
+  </p:timing>
 </p:sld>
 </file>
 
@@ -4862,6 +4871,46 @@
               <a:rPr lang="en-US" dirty="0" smtClean="0"/>
               <a:t>”?&gt;</a:t>
             </a:r>
+          </a:p>
+          <a:p>
+            <a:r>
+              <a:rPr lang="ru-RU" dirty="0" smtClean="0"/>
+              <a:t>Стандартные инструкции</a:t>
+            </a:r>
+          </a:p>
+          <a:p>
+            <a:pPr lvl="1"/>
+            <a:r>
+              <a:rPr lang="en-US" dirty="0"/>
+              <a:t>&lt;?xml-</a:t>
+            </a:r>
+            <a:r>
+              <a:rPr lang="en-US" dirty="0" err="1"/>
+              <a:t>stylesheet</a:t>
+            </a:r>
+            <a:r>
+              <a:rPr lang="en-US" dirty="0"/>
+              <a:t> type="text/</a:t>
+            </a:r>
+            <a:r>
+              <a:rPr lang="en-US" dirty="0" err="1"/>
+              <a:t>xsl</a:t>
+            </a:r>
+            <a:r>
+              <a:rPr lang="en-US" dirty="0"/>
+              <a:t>" </a:t>
+            </a:r>
+            <a:r>
+              <a:rPr lang="en-US" dirty="0" err="1"/>
+              <a:t>href</a:t>
+            </a:r>
+            <a:r>
+              <a:rPr lang="en-US" dirty="0" smtClean="0"/>
+              <a:t>=“URL"?&gt;</a:t>
+            </a:r>
+          </a:p>
+          <a:p>
+            <a:pPr lvl="1"/>
             <a:endParaRPr lang="en-US" dirty="0"/>
           </a:p>
         </p:txBody>
@@ -5037,6 +5086,13 @@
   <p:clrMapOvr>
     <a:masterClrMapping/>
   </p:clrMapOvr>
+  <p:timing>
+    <p:tnLst>
+      <p:par>
+        <p:cTn id="1" dur="indefinite" restart="never" nodeType="tmRoot"/>
+      </p:par>
+    </p:tnLst>
+  </p:timing>
 </p:sld>
 </file>
 
@@ -5976,6 +6032,13 @@
   <p:clrMapOvr>
     <a:masterClrMapping/>
   </p:clrMapOvr>
+  <p:timing>
+    <p:tnLst>
+      <p:par>
+        <p:cTn id="1" dur="indefinite" restart="never" nodeType="tmRoot"/>
+      </p:par>
+    </p:tnLst>
+  </p:timing>
 </p:sld>
 </file>
 
@@ -6223,6 +6286,146 @@
             <p:ph type="title"/>
           </p:nvPr>
         </p:nvSpPr>
+        <p:spPr/>
+        <p:txBody>
+          <a:bodyPr/>
+          <a:lstStyle/>
+          <a:p>
+            <a:r>
+              <a:rPr lang="en-US" dirty="0" smtClean="0"/>
+              <a:t>XML </a:t>
+            </a:r>
+            <a:r>
+              <a:rPr lang="ru-RU" dirty="0" smtClean="0"/>
+              <a:t>сериализация (</a:t>
+            </a:r>
+            <a:r>
+              <a:rPr lang="en-US" dirty="0" smtClean="0"/>
+              <a:t>serialization</a:t>
+            </a:r>
+            <a:r>
+              <a:rPr lang="ru-RU" dirty="0" smtClean="0"/>
+              <a:t>)</a:t>
+            </a:r>
+            <a:endParaRPr lang="ru-RU" dirty="0"/>
+          </a:p>
+        </p:txBody>
+      </p:sp>
+      <p:sp>
+        <p:nvSpPr>
+          <p:cNvPr id="3" name="Content Placeholder 2"/>
+          <p:cNvSpPr>
+            <a:spLocks noGrp="1"/>
+          </p:cNvSpPr>
+          <p:nvPr>
+            <p:ph idx="1"/>
+          </p:nvPr>
+        </p:nvSpPr>
+        <p:spPr/>
+        <p:txBody>
+          <a:bodyPr>
+            <a:normAutofit lnSpcReduction="10000"/>
+          </a:bodyPr>
+          <a:lstStyle/>
+          <a:p>
+            <a:r>
+              <a:rPr lang="ru-RU" dirty="0"/>
+              <a:t>Сериализация – сохранение данных об объекте </a:t>
+            </a:r>
+            <a:r>
+              <a:rPr lang="ru-RU" dirty="0" smtClean="0"/>
+              <a:t>в поток</a:t>
+            </a:r>
+            <a:endParaRPr lang="ru-RU" dirty="0"/>
+          </a:p>
+          <a:p>
+            <a:r>
+              <a:rPr lang="ru-RU" dirty="0" smtClean="0"/>
+              <a:t>Десериализация</a:t>
+            </a:r>
+            <a:r>
+              <a:rPr lang="en-US" dirty="0" smtClean="0"/>
+              <a:t> </a:t>
+            </a:r>
+            <a:r>
+              <a:rPr lang="ru-RU" dirty="0" smtClean="0"/>
+              <a:t>– </a:t>
+            </a:r>
+            <a:r>
+              <a:rPr lang="ru-RU" dirty="0"/>
+              <a:t>обратный процесс восстановления </a:t>
+            </a:r>
+            <a:r>
+              <a:rPr lang="ru-RU" dirty="0" smtClean="0"/>
+              <a:t>объекта</a:t>
+            </a:r>
+          </a:p>
+          <a:p>
+            <a:endParaRPr lang="en-US" dirty="0" smtClean="0"/>
+          </a:p>
+          <a:p>
+            <a:r>
+              <a:rPr lang="ru-RU" dirty="0" smtClean="0"/>
+              <a:t>Примеры использования:</a:t>
+            </a:r>
+          </a:p>
+          <a:p>
+            <a:pPr lvl="1"/>
+            <a:r>
+              <a:rPr lang="ru-RU" dirty="0" smtClean="0"/>
+              <a:t>Передача объекта между разными программи/машинами.</a:t>
+            </a:r>
+          </a:p>
+          <a:p>
+            <a:pPr lvl="1"/>
+            <a:r>
+              <a:rPr lang="ru-RU" dirty="0" smtClean="0"/>
+              <a:t>Файлы конфигурации</a:t>
+            </a:r>
+            <a:endParaRPr lang="ru-RU" dirty="0"/>
+          </a:p>
+        </p:txBody>
+      </p:sp>
+    </p:spTree>
+    <p:extLst>
+      <p:ext uri="{BB962C8B-B14F-4D97-AF65-F5344CB8AC3E}">
+        <p14:creationId xmlns:p14="http://schemas.microsoft.com/office/powerpoint/2010/main" val="4243754449"/>
+      </p:ext>
+    </p:extLst>
+  </p:cSld>
+  <p:clrMapOvr>
+    <a:masterClrMapping/>
+  </p:clrMapOvr>
+</p:sld>
+</file>
+
+<file path=ppt/slides/slide23.xml><?xml version="1.0" encoding="utf-8"?>
+<p:sld xmlns:a="http://schemas.openxmlformats.org/drawingml/2006/main" xmlns:r="http://schemas.openxmlformats.org/officeDocument/2006/relationships" xmlns:p="http://schemas.openxmlformats.org/presentationml/2006/main">
+  <p:cSld>
+    <p:spTree>
+      <p:nvGrpSpPr>
+        <p:cNvPr id="1" name=""/>
+        <p:cNvGrpSpPr/>
+        <p:nvPr/>
+      </p:nvGrpSpPr>
+      <p:grpSpPr>
+        <a:xfrm>
+          <a:off x="0" y="0"/>
+          <a:ext cx="0" cy="0"/>
+          <a:chOff x="0" y="0"/>
+          <a:chExt cx="0" cy="0"/>
+        </a:xfrm>
+      </p:grpSpPr>
+      <p:sp>
+        <p:nvSpPr>
+          <p:cNvPr id="2" name="Title 1"/>
+          <p:cNvSpPr>
+            <a:spLocks noGrp="1"/>
+          </p:cNvSpPr>
+          <p:nvPr>
+            <p:ph type="title"/>
+          </p:nvPr>
+        </p:nvSpPr>
         <p:spPr>
           <a:xfrm>
             <a:off x="457200" y="2857500"/>
@@ -6776,6 +6979,13 @@
   <p:clrMapOvr>
     <a:masterClrMapping/>
   </p:clrMapOvr>
+  <p:timing>
+    <p:tnLst>
+      <p:par>
+        <p:cTn id="1" dur="indefinite" restart="never" nodeType="tmRoot"/>
+      </p:par>
+    </p:tnLst>
+  </p:timing>
 </p:sld>
 </file>
 
@@ -7045,6 +7255,13 @@
   <p:clrMapOvr>
     <a:masterClrMapping/>
   </p:clrMapOvr>
+  <p:timing>
+    <p:tnLst>
+      <p:par>
+        <p:cTn id="1" dur="indefinite" restart="never" nodeType="tmRoot"/>
+      </p:par>
+    </p:tnLst>
+  </p:timing>
 </p:sld>
 </file>
 
@@ -7177,6 +7394,13 @@
   <p:clrMapOvr>
     <a:masterClrMapping/>
   </p:clrMapOvr>
+  <p:timing>
+    <p:tnLst>
+      <p:par>
+        <p:cTn id="1" dur="indefinite" restart="never" nodeType="tmRoot"/>
+      </p:par>
+    </p:tnLst>
+  </p:timing>
 </p:sld>
 </file>
 
@@ -7335,6 +7559,13 @@
   <p:clrMapOvr>
     <a:masterClrMapping/>
   </p:clrMapOvr>
+  <p:timing>
+    <p:tnLst>
+      <p:par>
+        <p:cTn id="1" dur="indefinite" restart="never" nodeType="tmRoot"/>
+      </p:par>
+    </p:tnLst>
+  </p:timing>
 </p:sld>
 </file>
 
@@ -7415,6 +7646,13 @@
   <p:clrMapOvr>
     <a:masterClrMapping/>
   </p:clrMapOvr>
+  <p:timing>
+    <p:tnLst>
+      <p:par>
+        <p:cTn id="1" dur="indefinite" restart="never" nodeType="tmRoot"/>
+      </p:par>
+    </p:tnLst>
+  </p:timing>
 </p:sld>
 </file>
 

--- a/Presentation/lesson-06.pptx
+++ b/Presentation/lesson-06.pptx
@@ -214,7 +214,7 @@
           <a:p>
             <a:fld id="{B24A7054-7FFB-49F4-A126-5DF6E687FF53}" type="datetimeFigureOut">
               <a:rPr lang="ru-RU" smtClean="0"/>
-              <a:t>26.08.2012</a:t>
+              <a:t>01.11.2012</a:t>
             </a:fld>
             <a:endParaRPr lang="ru-RU"/>
           </a:p>
@@ -1277,7 +1277,7 @@
           <a:p>
             <a:fld id="{8E6E6A2A-E9D3-4A0D-B04A-ABDD367A1E08}" type="datetimeFigureOut">
               <a:rPr lang="ru-RU" smtClean="0"/>
-              <a:t>26.08.2012</a:t>
+              <a:t>01.11.2012</a:t>
             </a:fld>
             <a:endParaRPr lang="ru-RU"/>
           </a:p>
@@ -2725,7 +2725,7 @@
           <a:p>
             <a:fld id="{AC3D3127-B7C4-45E3-9797-C527EC9FDD78}" type="datetimeFigureOut">
               <a:rPr lang="ru-RU" smtClean="0"/>
-              <a:t>26.08.2012</a:t>
+              <a:t>01.11.2012</a:t>
             </a:fld>
             <a:endParaRPr lang="ru-RU"/>
           </a:p>
@@ -3280,6 +3280,40 @@
                 <a:schemeClr val="bg1"/>
               </a:solidFill>
             </a:endParaRPr>
+          </a:p>
+        </p:txBody>
+      </p:sp>
+      <p:sp>
+        <p:nvSpPr>
+          <p:cNvPr id="8" name="TextBox 7"/>
+          <p:cNvSpPr txBox="1"/>
+          <p:nvPr/>
+        </p:nvSpPr>
+        <p:spPr>
+          <a:xfrm>
+            <a:off x="3120449" y="5589240"/>
+            <a:ext cx="2903102" cy="369332"/>
+          </a:xfrm>
+          <a:prstGeom prst="rect">
+            <a:avLst/>
+          </a:prstGeom>
+          <a:noFill/>
+        </p:spPr>
+        <p:txBody>
+          <a:bodyPr wrap="none" rtlCol="0">
+            <a:spAutoFit/>
+          </a:bodyPr>
+          <a:lstStyle/>
+          <a:p>
+            <a:r>
+              <a:rPr lang="en-US" dirty="0">
+                <a:solidFill>
+                  <a:schemeClr val="bg1"/>
+                </a:solidFill>
+              </a:rPr>
+              <a:t>http://vk.com/club33848893</a:t>
+            </a:r>
+            <a:endParaRPr lang="en-US" dirty="0"/>
           </a:p>
         </p:txBody>
       </p:sp>

--- a/Presentation/lesson-06.pptx
+++ b/Presentation/lesson-06.pptx
@@ -214,7 +214,7 @@
           <a:p>
             <a:fld id="{B24A7054-7FFB-49F4-A126-5DF6E687FF53}" type="datetimeFigureOut">
               <a:rPr lang="ru-RU" smtClean="0"/>
-              <a:t>01.11.2012</a:t>
+              <a:t>06.11.2012</a:t>
             </a:fld>
             <a:endParaRPr lang="ru-RU"/>
           </a:p>
@@ -1277,7 +1277,7 @@
           <a:p>
             <a:fld id="{8E6E6A2A-E9D3-4A0D-B04A-ABDD367A1E08}" type="datetimeFigureOut">
               <a:rPr lang="ru-RU" smtClean="0"/>
-              <a:t>01.11.2012</a:t>
+              <a:t>06.11.2012</a:t>
             </a:fld>
             <a:endParaRPr lang="ru-RU"/>
           </a:p>
@@ -2725,7 +2725,7 @@
           <a:p>
             <a:fld id="{AC3D3127-B7C4-45E3-9797-C527EC9FDD78}" type="datetimeFigureOut">
               <a:rPr lang="ru-RU" smtClean="0"/>
-              <a:t>01.11.2012</a:t>
+              <a:t>06.11.2012</a:t>
             </a:fld>
             <a:endParaRPr lang="ru-RU"/>
           </a:p>
@@ -3280,40 +3280,6 @@
                 <a:schemeClr val="bg1"/>
               </a:solidFill>
             </a:endParaRPr>
-          </a:p>
-        </p:txBody>
-      </p:sp>
-      <p:sp>
-        <p:nvSpPr>
-          <p:cNvPr id="8" name="TextBox 7"/>
-          <p:cNvSpPr txBox="1"/>
-          <p:nvPr/>
-        </p:nvSpPr>
-        <p:spPr>
-          <a:xfrm>
-            <a:off x="3120449" y="5589240"/>
-            <a:ext cx="2903102" cy="369332"/>
-          </a:xfrm>
-          <a:prstGeom prst="rect">
-            <a:avLst/>
-          </a:prstGeom>
-          <a:noFill/>
-        </p:spPr>
-        <p:txBody>
-          <a:bodyPr wrap="none" rtlCol="0">
-            <a:spAutoFit/>
-          </a:bodyPr>
-          <a:lstStyle/>
-          <a:p>
-            <a:r>
-              <a:rPr lang="en-US" dirty="0">
-                <a:solidFill>
-                  <a:schemeClr val="bg1"/>
-                </a:solidFill>
-              </a:rPr>
-              <a:t>http://vk.com/club33848893</a:t>
-            </a:r>
-            <a:endParaRPr lang="en-US" dirty="0"/>
           </a:p>
         </p:txBody>
       </p:sp>

--- a/Presentation/lesson-06.pptx
+++ b/Presentation/lesson-06.pptx
@@ -214,7 +214,7 @@
           <a:p>
             <a:fld id="{B24A7054-7FFB-49F4-A126-5DF6E687FF53}" type="datetimeFigureOut">
               <a:rPr lang="ru-RU" smtClean="0"/>
-              <a:t>06.11.2012</a:t>
+              <a:t>19.01.2013</a:t>
             </a:fld>
             <a:endParaRPr lang="ru-RU"/>
           </a:p>
@@ -1277,7 +1277,7 @@
           <a:p>
             <a:fld id="{8E6E6A2A-E9D3-4A0D-B04A-ABDD367A1E08}" type="datetimeFigureOut">
               <a:rPr lang="ru-RU" smtClean="0"/>
-              <a:t>06.11.2012</a:t>
+              <a:t>19.01.2013</a:t>
             </a:fld>
             <a:endParaRPr lang="ru-RU"/>
           </a:p>
@@ -2725,7 +2725,7 @@
           <a:p>
             <a:fld id="{AC3D3127-B7C4-45E3-9797-C527EC9FDD78}" type="datetimeFigureOut">
               <a:rPr lang="ru-RU" smtClean="0"/>
-              <a:t>06.11.2012</a:t>
+              <a:t>19.01.2013</a:t>
             </a:fld>
             <a:endParaRPr lang="ru-RU"/>
           </a:p>
@@ -6884,12 +6884,12 @@
               <a:rPr lang="ru-RU" sz="1400" dirty="0"/>
             </a:br>
             <a:r>
-              <a:rPr lang="ru-RU" sz="1400" dirty="0"/>
+              <a:rPr lang="ru-RU" sz="1400" dirty="0" smtClean="0"/>
               <a:t>&lt;</a:t>
             </a:r>
             <a:r>
-              <a:rPr lang="en-US" sz="1400" dirty="0"/>
-              <a:t>books</a:t>
+              <a:rPr lang="en-US" sz="1400" smtClean="0"/>
+              <a:t>/books</a:t>
             </a:r>
             <a:r>
               <a:rPr lang="ru-RU" sz="1400" dirty="0" smtClean="0"/>
